--- a/presentation/Сбор статистики курса.pptx
+++ b/presentation/Сбор статистики курса.pptx
@@ -8,8 +8,9 @@
     <p:sldId id="256" r:id="rId2"/>
     <p:sldId id="257" r:id="rId3"/>
     <p:sldId id="259" r:id="rId4"/>
-    <p:sldId id="258" r:id="rId5"/>
-    <p:sldId id="260" r:id="rId6"/>
+    <p:sldId id="261" r:id="rId5"/>
+    <p:sldId id="258" r:id="rId6"/>
+    <p:sldId id="260" r:id="rId7"/>
   </p:sldIdLst>
   <p:sldSz cx="9144000" cy="6858000" type="screen4x3"/>
   <p:notesSz cx="6858000" cy="9144000"/>
@@ -292,7 +293,7 @@
           <a:p>
             <a:fld id="{F3AE7BA4-C964-48C0-A7DF-E47D84771CE7}" type="datetimeFigureOut">
               <a:rPr lang="ru-RU" smtClean="0"/>
-              <a:t>22.12.2016</a:t>
+              <a:t>23.12.2016</a:t>
             </a:fld>
             <a:endParaRPr lang="ru-RU"/>
           </a:p>
@@ -462,7 +463,7 @@
           <a:p>
             <a:fld id="{F3AE7BA4-C964-48C0-A7DF-E47D84771CE7}" type="datetimeFigureOut">
               <a:rPr lang="ru-RU" smtClean="0"/>
-              <a:t>22.12.2016</a:t>
+              <a:t>23.12.2016</a:t>
             </a:fld>
             <a:endParaRPr lang="ru-RU"/>
           </a:p>
@@ -642,7 +643,7 @@
           <a:p>
             <a:fld id="{F3AE7BA4-C964-48C0-A7DF-E47D84771CE7}" type="datetimeFigureOut">
               <a:rPr lang="ru-RU" smtClean="0"/>
-              <a:t>22.12.2016</a:t>
+              <a:t>23.12.2016</a:t>
             </a:fld>
             <a:endParaRPr lang="ru-RU"/>
           </a:p>
@@ -812,7 +813,7 @@
           <a:p>
             <a:fld id="{F3AE7BA4-C964-48C0-A7DF-E47D84771CE7}" type="datetimeFigureOut">
               <a:rPr lang="ru-RU" smtClean="0"/>
-              <a:t>22.12.2016</a:t>
+              <a:t>23.12.2016</a:t>
             </a:fld>
             <a:endParaRPr lang="ru-RU"/>
           </a:p>
@@ -1058,7 +1059,7 @@
           <a:p>
             <a:fld id="{F3AE7BA4-C964-48C0-A7DF-E47D84771CE7}" type="datetimeFigureOut">
               <a:rPr lang="ru-RU" smtClean="0"/>
-              <a:t>22.12.2016</a:t>
+              <a:t>23.12.2016</a:t>
             </a:fld>
             <a:endParaRPr lang="ru-RU"/>
           </a:p>
@@ -1346,7 +1347,7 @@
           <a:p>
             <a:fld id="{F3AE7BA4-C964-48C0-A7DF-E47D84771CE7}" type="datetimeFigureOut">
               <a:rPr lang="ru-RU" smtClean="0"/>
-              <a:t>22.12.2016</a:t>
+              <a:t>23.12.2016</a:t>
             </a:fld>
             <a:endParaRPr lang="ru-RU"/>
           </a:p>
@@ -1768,7 +1769,7 @@
           <a:p>
             <a:fld id="{F3AE7BA4-C964-48C0-A7DF-E47D84771CE7}" type="datetimeFigureOut">
               <a:rPr lang="ru-RU" smtClean="0"/>
-              <a:t>22.12.2016</a:t>
+              <a:t>23.12.2016</a:t>
             </a:fld>
             <a:endParaRPr lang="ru-RU"/>
           </a:p>
@@ -1886,7 +1887,7 @@
           <a:p>
             <a:fld id="{F3AE7BA4-C964-48C0-A7DF-E47D84771CE7}" type="datetimeFigureOut">
               <a:rPr lang="ru-RU" smtClean="0"/>
-              <a:t>22.12.2016</a:t>
+              <a:t>23.12.2016</a:t>
             </a:fld>
             <a:endParaRPr lang="ru-RU"/>
           </a:p>
@@ -1981,7 +1982,7 @@
           <a:p>
             <a:fld id="{F3AE7BA4-C964-48C0-A7DF-E47D84771CE7}" type="datetimeFigureOut">
               <a:rPr lang="ru-RU" smtClean="0"/>
-              <a:t>22.12.2016</a:t>
+              <a:t>23.12.2016</a:t>
             </a:fld>
             <a:endParaRPr lang="ru-RU"/>
           </a:p>
@@ -2258,7 +2259,7 @@
           <a:p>
             <a:fld id="{F3AE7BA4-C964-48C0-A7DF-E47D84771CE7}" type="datetimeFigureOut">
               <a:rPr lang="ru-RU" smtClean="0"/>
-              <a:t>22.12.2016</a:t>
+              <a:t>23.12.2016</a:t>
             </a:fld>
             <a:endParaRPr lang="ru-RU"/>
           </a:p>
@@ -2511,7 +2512,7 @@
           <a:p>
             <a:fld id="{F3AE7BA4-C964-48C0-A7DF-E47D84771CE7}" type="datetimeFigureOut">
               <a:rPr lang="ru-RU" smtClean="0"/>
-              <a:t>22.12.2016</a:t>
+              <a:t>23.12.2016</a:t>
             </a:fld>
             <a:endParaRPr lang="ru-RU"/>
           </a:p>
@@ -2724,7 +2725,7 @@
           <a:p>
             <a:fld id="{F3AE7BA4-C964-48C0-A7DF-E47D84771CE7}" type="datetimeFigureOut">
               <a:rPr lang="ru-RU" smtClean="0"/>
-              <a:t>22.12.2016</a:t>
+              <a:t>23.12.2016</a:t>
             </a:fld>
             <a:endParaRPr lang="ru-RU"/>
           </a:p>
@@ -3140,6 +3141,13 @@
   <p:clrMapOvr>
     <a:masterClrMapping/>
   </p:clrMapOvr>
+  <p:timing>
+    <p:tnLst>
+      <p:par>
+        <p:cTn id="1" dur="indefinite" restart="never" nodeType="tmRoot"/>
+      </p:par>
+    </p:tnLst>
+  </p:timing>
 </p:sld>
 </file>
 
@@ -3160,50 +3168,6 @@
           <a:chExt cx="0" cy="0"/>
         </a:xfrm>
       </p:grpSpPr>
-      <p:sp>
-        <p:nvSpPr>
-          <p:cNvPr id="3" name="Объект 2"/>
-          <p:cNvSpPr>
-            <a:spLocks noGrp="1"/>
-          </p:cNvSpPr>
-          <p:nvPr>
-            <p:ph idx="1"/>
-          </p:nvPr>
-        </p:nvSpPr>
-        <p:spPr>
-          <a:xfrm>
-            <a:off x="467544" y="260648"/>
-            <a:ext cx="8229600" cy="4525963"/>
-          </a:xfrm>
-        </p:spPr>
-        <p:txBody>
-          <a:bodyPr/>
-          <a:lstStyle/>
-          <a:p>
-            <a:pPr marL="0" indent="0">
-              <a:buNone/>
-            </a:pPr>
-            <a:r>
-              <a:rPr lang="ru-RU" dirty="0" smtClean="0"/>
-              <a:t>Нами был разработан сервис визуализации </a:t>
-            </a:r>
-            <a:r>
-              <a:rPr lang="en-US" dirty="0" smtClean="0"/>
-              <a:t>log-</a:t>
-            </a:r>
-            <a:r>
-              <a:rPr lang="ru-RU" dirty="0" smtClean="0"/>
-              <a:t>файла</a:t>
-            </a:r>
-          </a:p>
-          <a:p>
-            <a:pPr marL="0" indent="0">
-              <a:buNone/>
-            </a:pPr>
-            <a:endParaRPr lang="ru-RU" dirty="0"/>
-          </a:p>
-        </p:txBody>
-      </p:sp>
       <p:pic>
         <p:nvPicPr>
           <p:cNvPr id="1027" name="Picture 3" descr="C:\Users\k5ii\OneDrive\Pictures\Снимки экрана\2016-12-22 (2).png"/>
@@ -3245,6 +3209,46 @@
           </a:extLst>
         </p:spPr>
       </p:pic>
+      <p:sp>
+        <p:nvSpPr>
+          <p:cNvPr id="2" name="TextBox 1"/>
+          <p:cNvSpPr txBox="1"/>
+          <p:nvPr/>
+        </p:nvSpPr>
+        <p:spPr>
+          <a:xfrm>
+            <a:off x="387894" y="583813"/>
+            <a:ext cx="8424936" cy="1323439"/>
+          </a:xfrm>
+          <a:prstGeom prst="rect">
+            <a:avLst/>
+          </a:prstGeom>
+          <a:noFill/>
+        </p:spPr>
+        <p:txBody>
+          <a:bodyPr wrap="square" rtlCol="0">
+            <a:spAutoFit/>
+          </a:bodyPr>
+          <a:lstStyle/>
+          <a:p>
+            <a:r>
+              <a:rPr lang="ru-RU" sz="4000" dirty="0"/>
+              <a:t>Сервис визуализации </a:t>
+            </a:r>
+            <a:r>
+              <a:rPr lang="en-US" sz="4000" dirty="0"/>
+              <a:t>log-</a:t>
+            </a:r>
+            <a:r>
+              <a:rPr lang="ru-RU" sz="4000" dirty="0"/>
+              <a:t>файла</a:t>
+            </a:r>
+          </a:p>
+          <a:p>
+            <a:endParaRPr lang="ru-RU" sz="4000" dirty="0"/>
+          </a:p>
+        </p:txBody>
+      </p:sp>
     </p:spTree>
     <p:extLst>
       <p:ext uri="{BB962C8B-B14F-4D97-AF65-F5344CB8AC3E}">
@@ -3255,6 +3259,13 @@
   <p:clrMapOvr>
     <a:masterClrMapping/>
   </p:clrMapOvr>
+  <p:timing>
+    <p:tnLst>
+      <p:par>
+        <p:cTn id="1" dur="indefinite" restart="never" nodeType="tmRoot"/>
+      </p:par>
+    </p:tnLst>
+  </p:timing>
 </p:sld>
 </file>
 
@@ -3299,11 +3310,12 @@
           <a:p>
             <a:r>
               <a:rPr lang="ru-RU" b="1" dirty="0"/>
-              <a:t>Структура веб-приложения</a:t>
-            </a:r>
-            <a:br>
-              <a:rPr lang="ru-RU" b="1" dirty="0"/>
-            </a:br>
+              <a:t>Структура </a:t>
+            </a:r>
+            <a:r>
+              <a:rPr lang="ru-RU" b="1" dirty="0" smtClean="0"/>
+              <a:t>приложения</a:t>
+            </a:r>
             <a:endParaRPr lang="ru-RU" dirty="0"/>
           </a:p>
         </p:txBody>
@@ -3384,6 +3396,13 @@
   <p:clrMapOvr>
     <a:masterClrMapping/>
   </p:clrMapOvr>
+  <p:timing>
+    <p:tnLst>
+      <p:par>
+        <p:cTn id="1" dur="indefinite" restart="never" nodeType="tmRoot"/>
+      </p:par>
+    </p:tnLst>
+  </p:timing>
 </p:sld>
 </file>
 
@@ -3404,130 +3423,64 @@
           <a:chExt cx="0" cy="0"/>
         </a:xfrm>
       </p:grpSpPr>
-      <p:sp>
-        <p:nvSpPr>
-          <p:cNvPr id="2" name="Заголовок 1"/>
-          <p:cNvSpPr>
-            <a:spLocks noGrp="1"/>
-          </p:cNvSpPr>
-          <p:nvPr>
-            <p:ph type="title"/>
-          </p:nvPr>
-        </p:nvSpPr>
-        <p:spPr/>
-        <p:txBody>
-          <a:bodyPr>
-            <a:normAutofit fontScale="90000"/>
-          </a:bodyPr>
-          <a:lstStyle/>
-          <a:p>
-            <a:r>
-              <a:rPr lang="ru-RU" dirty="0" smtClean="0"/>
-              <a:t>Используемые технологии:</a:t>
-            </a:r>
-            <a:br>
-              <a:rPr lang="ru-RU" dirty="0" smtClean="0"/>
-            </a:br>
-            <a:endParaRPr lang="ru-RU" dirty="0"/>
-          </a:p>
-        </p:txBody>
-      </p:sp>
-      <p:sp>
-        <p:nvSpPr>
-          <p:cNvPr id="3" name="Объект 2"/>
-          <p:cNvSpPr>
-            <a:spLocks noGrp="1"/>
-          </p:cNvSpPr>
-          <p:nvPr>
-            <p:ph idx="1"/>
-          </p:nvPr>
-        </p:nvSpPr>
-        <p:spPr/>
-        <p:txBody>
-          <a:bodyPr/>
-          <a:lstStyle/>
-          <a:p>
-            <a:pPr marL="0" indent="0">
-              <a:buNone/>
-            </a:pPr>
-            <a:r>
-              <a:rPr lang="en-US" dirty="0" smtClean="0"/>
-              <a:t>Python 3.5</a:t>
-            </a:r>
-          </a:p>
-          <a:p>
-            <a:pPr marL="0" indent="0">
-              <a:buNone/>
-            </a:pPr>
-            <a:r>
-              <a:rPr lang="en-US" dirty="0" err="1" smtClean="0"/>
-              <a:t>Django</a:t>
-            </a:r>
-            <a:endParaRPr lang="en-US" dirty="0" smtClean="0"/>
-          </a:p>
-          <a:p>
-            <a:pPr marL="0" indent="0">
-              <a:buNone/>
-            </a:pPr>
-            <a:r>
-              <a:rPr lang="en-US" dirty="0" smtClean="0"/>
-              <a:t>Bootstrap</a:t>
-            </a:r>
-          </a:p>
-          <a:p>
-            <a:pPr marL="0" indent="0">
-              <a:buNone/>
-            </a:pPr>
-            <a:r>
-              <a:rPr lang="en-US" dirty="0" smtClean="0"/>
-              <a:t>JavaScript</a:t>
-            </a:r>
-          </a:p>
-          <a:p>
-            <a:pPr marL="0" indent="0">
-              <a:buNone/>
-            </a:pPr>
-            <a:r>
-              <a:rPr lang="en-US" dirty="0" smtClean="0"/>
-              <a:t>Selenium</a:t>
-            </a:r>
-          </a:p>
-          <a:p>
-            <a:pPr marL="0" indent="0">
-              <a:buNone/>
-            </a:pPr>
-            <a:r>
-              <a:rPr lang="en-US" dirty="0" smtClean="0"/>
-              <a:t>Mongo </a:t>
-            </a:r>
-            <a:r>
-              <a:rPr lang="en-US" dirty="0" err="1" smtClean="0"/>
-              <a:t>db</a:t>
-            </a:r>
-            <a:endParaRPr lang="en-US" dirty="0" smtClean="0"/>
-          </a:p>
-          <a:p>
-            <a:pPr marL="0" indent="0">
-              <a:buNone/>
-            </a:pPr>
-            <a:r>
-              <a:rPr lang="en-US" dirty="0" smtClean="0"/>
-              <a:t>Bar Chart</a:t>
-            </a:r>
-            <a:endParaRPr lang="ru-RU" dirty="0"/>
-          </a:p>
-        </p:txBody>
-      </p:sp>
+      <p:pic>
+        <p:nvPicPr>
+          <p:cNvPr id="1026" name="Picture 2" descr="C:\Users\k5ii\Desktop\Безымянный.png"/>
+          <p:cNvPicPr>
+            <a:picLocks noChangeAspect="1" noChangeArrowheads="1"/>
+          </p:cNvPicPr>
+          <p:nvPr/>
+        </p:nvPicPr>
+        <p:blipFill>
+          <a:blip r:embed="rId2">
+            <a:extLst>
+              <a:ext uri="{28A0092B-C50C-407E-A947-70E740481C1C}">
+                <a14:useLocalDpi xmlns:a14="http://schemas.microsoft.com/office/drawing/2010/main" val="0"/>
+              </a:ext>
+            </a:extLst>
+          </a:blip>
+          <a:srcRect/>
+          <a:stretch>
+            <a:fillRect/>
+          </a:stretch>
+        </p:blipFill>
+        <p:spPr bwMode="auto">
+          <a:xfrm>
+            <a:off x="1043608" y="404664"/>
+            <a:ext cx="7175612" cy="5743941"/>
+          </a:xfrm>
+          <a:prstGeom prst="rect">
+            <a:avLst/>
+          </a:prstGeom>
+          <a:noFill/>
+          <a:extLst>
+            <a:ext uri="{909E8E84-426E-40DD-AFC4-6F175D3DCCD1}">
+              <a14:hiddenFill xmlns:a14="http://schemas.microsoft.com/office/drawing/2010/main">
+                <a:solidFill>
+                  <a:srgbClr val="FFFFFF"/>
+                </a:solidFill>
+              </a14:hiddenFill>
+            </a:ext>
+          </a:extLst>
+        </p:spPr>
+      </p:pic>
     </p:spTree>
     <p:extLst>
       <p:ext uri="{BB962C8B-B14F-4D97-AF65-F5344CB8AC3E}">
-        <p14:creationId xmlns:p14="http://schemas.microsoft.com/office/powerpoint/2010/main" val="2160936586"/>
+        <p14:creationId xmlns:p14="http://schemas.microsoft.com/office/powerpoint/2010/main" val="2643514538"/>
       </p:ext>
     </p:extLst>
   </p:cSld>
   <p:clrMapOvr>
     <a:masterClrMapping/>
   </p:clrMapOvr>
+  <p:timing>
+    <p:tnLst>
+      <p:par>
+        <p:cTn id="1" dur="indefinite" restart="never" nodeType="tmRoot"/>
+      </p:par>
+    </p:tnLst>
+  </p:timing>
 </p:sld>
 </file>
 
@@ -3550,6 +3503,147 @@
       </p:grpSpPr>
       <p:sp>
         <p:nvSpPr>
+          <p:cNvPr id="2" name="Заголовок 1"/>
+          <p:cNvSpPr>
+            <a:spLocks noGrp="1"/>
+          </p:cNvSpPr>
+          <p:nvPr>
+            <p:ph type="title"/>
+          </p:nvPr>
+        </p:nvSpPr>
+        <p:spPr/>
+        <p:txBody>
+          <a:bodyPr>
+            <a:normAutofit fontScale="90000"/>
+          </a:bodyPr>
+          <a:lstStyle/>
+          <a:p>
+            <a:r>
+              <a:rPr lang="ru-RU" dirty="0" smtClean="0"/>
+              <a:t>Используемые технологии:</a:t>
+            </a:r>
+            <a:br>
+              <a:rPr lang="ru-RU" dirty="0" smtClean="0"/>
+            </a:br>
+            <a:endParaRPr lang="ru-RU" dirty="0"/>
+          </a:p>
+        </p:txBody>
+      </p:sp>
+      <p:sp>
+        <p:nvSpPr>
+          <p:cNvPr id="3" name="Объект 2"/>
+          <p:cNvSpPr>
+            <a:spLocks noGrp="1"/>
+          </p:cNvSpPr>
+          <p:nvPr>
+            <p:ph idx="1"/>
+          </p:nvPr>
+        </p:nvSpPr>
+        <p:spPr/>
+        <p:txBody>
+          <a:bodyPr/>
+          <a:lstStyle/>
+          <a:p>
+            <a:pPr marL="0" indent="0">
+              <a:buNone/>
+            </a:pPr>
+            <a:r>
+              <a:rPr lang="en-US" dirty="0" smtClean="0"/>
+              <a:t>Python 3.5</a:t>
+            </a:r>
+          </a:p>
+          <a:p>
+            <a:pPr marL="0" indent="0">
+              <a:buNone/>
+            </a:pPr>
+            <a:r>
+              <a:rPr lang="en-US" dirty="0" err="1" smtClean="0"/>
+              <a:t>Django</a:t>
+            </a:r>
+            <a:endParaRPr lang="en-US" dirty="0" smtClean="0"/>
+          </a:p>
+          <a:p>
+            <a:pPr marL="0" indent="0">
+              <a:buNone/>
+            </a:pPr>
+            <a:r>
+              <a:rPr lang="en-US" dirty="0" smtClean="0"/>
+              <a:t>Bootstrap</a:t>
+            </a:r>
+          </a:p>
+          <a:p>
+            <a:pPr marL="0" indent="0">
+              <a:buNone/>
+            </a:pPr>
+            <a:r>
+              <a:rPr lang="en-US" dirty="0" smtClean="0"/>
+              <a:t>JavaScript</a:t>
+            </a:r>
+          </a:p>
+          <a:p>
+            <a:pPr marL="0" indent="0">
+              <a:buNone/>
+            </a:pPr>
+            <a:r>
+              <a:rPr lang="en-US" dirty="0" smtClean="0"/>
+              <a:t>Selenium</a:t>
+            </a:r>
+          </a:p>
+          <a:p>
+            <a:pPr marL="0" indent="0">
+              <a:buNone/>
+            </a:pPr>
+            <a:r>
+              <a:rPr lang="en-US" dirty="0" smtClean="0"/>
+              <a:t>Mongo </a:t>
+            </a:r>
+            <a:r>
+              <a:rPr lang="en-US" dirty="0" err="1" smtClean="0"/>
+              <a:t>db</a:t>
+            </a:r>
+            <a:endParaRPr lang="en-US" dirty="0" smtClean="0"/>
+          </a:p>
+        </p:txBody>
+      </p:sp>
+    </p:spTree>
+    <p:extLst>
+      <p:ext uri="{BB962C8B-B14F-4D97-AF65-F5344CB8AC3E}">
+        <p14:creationId xmlns:p14="http://schemas.microsoft.com/office/powerpoint/2010/main" val="2160936586"/>
+      </p:ext>
+    </p:extLst>
+  </p:cSld>
+  <p:clrMapOvr>
+    <a:masterClrMapping/>
+  </p:clrMapOvr>
+  <p:timing>
+    <p:tnLst>
+      <p:par>
+        <p:cTn id="1" dur="indefinite" restart="never" nodeType="tmRoot"/>
+      </p:par>
+    </p:tnLst>
+  </p:timing>
+</p:sld>
+</file>
+
+<file path=ppt/slides/slide6.xml><?xml version="1.0" encoding="utf-8"?>
+<p:sld xmlns:a="http://schemas.openxmlformats.org/drawingml/2006/main" xmlns:r="http://schemas.openxmlformats.org/officeDocument/2006/relationships" xmlns:p="http://schemas.openxmlformats.org/presentationml/2006/main">
+  <p:cSld>
+    <p:spTree>
+      <p:nvGrpSpPr>
+        <p:cNvPr id="1" name=""/>
+        <p:cNvGrpSpPr/>
+        <p:nvPr/>
+      </p:nvGrpSpPr>
+      <p:grpSpPr>
+        <a:xfrm>
+          <a:off x="0" y="0"/>
+          <a:ext cx="0" cy="0"/>
+          <a:chOff x="0" y="0"/>
+          <a:chExt cx="0" cy="0"/>
+        </a:xfrm>
+      </p:grpSpPr>
+      <p:sp>
+        <p:nvSpPr>
           <p:cNvPr id="3" name="Объект 2"/>
           <p:cNvSpPr>
             <a:spLocks noGrp="1"/>
@@ -3566,7 +3660,7 @@
         </p:spPr>
         <p:txBody>
           <a:bodyPr>
-            <a:normAutofit/>
+            <a:normAutofit fontScale="92500" lnSpcReduction="20000"/>
           </a:bodyPr>
           <a:lstStyle/>
           <a:p>
@@ -3584,37 +3678,37 @@
             </a:pPr>
             <a:r>
               <a:rPr lang="ru-RU" sz="2800" dirty="0" smtClean="0"/>
-              <a:t>Марк </a:t>
-            </a:r>
-            <a:r>
-              <a:rPr lang="ru-RU" sz="2800" dirty="0" err="1" smtClean="0"/>
-              <a:t>Заславский</a:t>
+              <a:t>Артур </a:t>
             </a:r>
             <a:r>
               <a:rPr lang="ru-RU" sz="2800" dirty="0" smtClean="0"/>
-              <a:t> </a:t>
+              <a:t>Азаров </a:t>
             </a:r>
             <a:r>
               <a:rPr lang="en-US" sz="2800" dirty="0" smtClean="0">
                 <a:hlinkClick r:id="rId2"/>
               </a:rPr>
-              <a:t>mark.zaslavskiy@gmail.com</a:t>
-            </a:r>
-            <a:endParaRPr lang="en-US" sz="2800" dirty="0" smtClean="0"/>
+              <a:t>artur.azarau@gmail.com</a:t>
+            </a:r>
+            <a:endParaRPr lang="ru-RU" sz="2800" dirty="0" smtClean="0"/>
           </a:p>
           <a:p>
             <a:pPr marL="0" indent="0">
               <a:buNone/>
             </a:pPr>
             <a:r>
+              <a:rPr lang="ru-RU" sz="2800" dirty="0" err="1" smtClean="0"/>
+              <a:t>Павлюк</a:t>
+            </a:r>
+            <a:r>
               <a:rPr lang="ru-RU" sz="2800" dirty="0" smtClean="0"/>
-              <a:t>Артур Азаров </a:t>
+              <a:t> Сергей </a:t>
             </a:r>
             <a:r>
               <a:rPr lang="en-US" sz="2800" dirty="0" smtClean="0">
                 <a:hlinkClick r:id="rId3"/>
               </a:rPr>
-              <a:t>artur.azarau@gmail.com</a:t>
+              <a:t>climbcoder@gmail.com</a:t>
             </a:r>
             <a:endParaRPr lang="ru-RU" sz="2800" dirty="0" smtClean="0"/>
           </a:p>
@@ -3623,18 +3717,22 @@
               <a:buNone/>
             </a:pPr>
             <a:r>
-              <a:rPr lang="ru-RU" sz="2800" dirty="0" err="1" smtClean="0"/>
-              <a:t>Павлюк</a:t>
-            </a:r>
-            <a:r>
               <a:rPr lang="ru-RU" sz="2800" dirty="0" smtClean="0"/>
-              <a:t> Сергей </a:t>
+              <a:t>Марк </a:t>
+            </a:r>
+            <a:r>
+              <a:rPr lang="ru-RU" sz="2800" dirty="0" err="1"/>
+              <a:t>Заславский</a:t>
+            </a:r>
+            <a:r>
+              <a:rPr lang="ru-RU" sz="2800" dirty="0"/>
+              <a:t> </a:t>
             </a:r>
             <a:r>
               <a:rPr lang="en-US" sz="2800" dirty="0" smtClean="0">
                 <a:hlinkClick r:id="rId4"/>
               </a:rPr>
-              <a:t>climbcoder@gmail.com</a:t>
+              <a:t>mark.zaslavskiy@gmail.com</a:t>
             </a:r>
             <a:endParaRPr lang="en-US" sz="2800" dirty="0" smtClean="0"/>
           </a:p>
@@ -3643,9 +3741,53 @@
               <a:buNone/>
             </a:pPr>
             <a:r>
-              <a:rPr lang="en-US" sz="2800" dirty="0" smtClean="0"/>
-              <a:t>https://github.com/OSLL/mooc-lp-statistics</a:t>
-            </a:r>
+              <a:rPr lang="en-US" sz="2800" dirty="0" smtClean="0">
+                <a:hlinkClick r:id="rId5"/>
+              </a:rPr>
+              <a:t>https://</a:t>
+            </a:r>
+            <a:r>
+              <a:rPr lang="en-US" sz="2800" dirty="0" smtClean="0">
+                <a:hlinkClick r:id="rId5"/>
+              </a:rPr>
+              <a:t>github.com/OSLL/mooc-lp-statistics</a:t>
+            </a:r>
+            <a:endParaRPr lang="ru-RU" sz="2800" dirty="0" smtClean="0"/>
+          </a:p>
+          <a:p>
+            <a:pPr marL="0" indent="0">
+              <a:buNone/>
+            </a:pPr>
+            <a:r>
+              <a:rPr lang="en-US" sz="2800" dirty="0">
+                <a:hlinkClick r:id="rId6"/>
+              </a:rPr>
+              <a:t>https://stepik.org/course/</a:t>
+            </a:r>
+            <a:r>
+              <a:rPr lang="ru-RU" sz="2800" dirty="0">
+                <a:hlinkClick r:id="rId6"/>
+              </a:rPr>
+              <a:t>Основы-программирования-для-</a:t>
+            </a:r>
+            <a:r>
+              <a:rPr lang="en-US" sz="2800" dirty="0" smtClean="0">
+                <a:hlinkClick r:id="rId6"/>
+              </a:rPr>
+              <a:t>Linux-</a:t>
+            </a:r>
+            <a:r>
+              <a:rPr lang="ru-RU" sz="2800" dirty="0" smtClean="0">
+                <a:hlinkClick r:id="rId6"/>
+              </a:rPr>
+              <a:t>548/</a:t>
+            </a:r>
+            <a:endParaRPr lang="ru-RU" sz="2800" dirty="0" smtClean="0"/>
+          </a:p>
+          <a:p>
+            <a:pPr marL="0" indent="0">
+              <a:buNone/>
+            </a:pPr>
             <a:endParaRPr lang="ru-RU" sz="2800" dirty="0"/>
           </a:p>
         </p:txBody>
@@ -3660,6 +3802,13 @@
   <p:clrMapOvr>
     <a:masterClrMapping/>
   </p:clrMapOvr>
+  <p:timing>
+    <p:tnLst>
+      <p:par>
+        <p:cTn id="1" dur="indefinite" restart="never" nodeType="tmRoot"/>
+      </p:par>
+    </p:tnLst>
+  </p:timing>
 </p:sld>
 </file>
 

--- a/presentation/Сбор статистики курса.pptx
+++ b/presentation/Сбор статистики курса.pptx
@@ -7,8 +7,8 @@
   <p:sldIdLst>
     <p:sldId id="256" r:id="rId2"/>
     <p:sldId id="257" r:id="rId3"/>
-    <p:sldId id="259" r:id="rId4"/>
-    <p:sldId id="261" r:id="rId5"/>
+    <p:sldId id="261" r:id="rId4"/>
+    <p:sldId id="259" r:id="rId5"/>
     <p:sldId id="258" r:id="rId6"/>
     <p:sldId id="260" r:id="rId7"/>
   </p:sldIdLst>
@@ -3286,143 +3286,6 @@
           <a:chExt cx="0" cy="0"/>
         </a:xfrm>
       </p:grpSpPr>
-      <p:sp>
-        <p:nvSpPr>
-          <p:cNvPr id="2" name="Заголовок 1"/>
-          <p:cNvSpPr>
-            <a:spLocks noGrp="1"/>
-          </p:cNvSpPr>
-          <p:nvPr>
-            <p:ph type="title"/>
-          </p:nvPr>
-        </p:nvSpPr>
-        <p:spPr>
-          <a:xfrm>
-            <a:off x="457200" y="274638"/>
-            <a:ext cx="8229600" cy="634082"/>
-          </a:xfrm>
-        </p:spPr>
-        <p:txBody>
-          <a:bodyPr>
-            <a:normAutofit fontScale="90000"/>
-          </a:bodyPr>
-          <a:lstStyle/>
-          <a:p>
-            <a:r>
-              <a:rPr lang="ru-RU" b="1" dirty="0"/>
-              <a:t>Структура </a:t>
-            </a:r>
-            <a:r>
-              <a:rPr lang="ru-RU" b="1" dirty="0" smtClean="0"/>
-              <a:t>приложения</a:t>
-            </a:r>
-            <a:endParaRPr lang="ru-RU" dirty="0"/>
-          </a:p>
-        </p:txBody>
-      </p:sp>
-      <p:sp>
-        <p:nvSpPr>
-          <p:cNvPr id="3" name="Объект 2"/>
-          <p:cNvSpPr>
-            <a:spLocks noGrp="1"/>
-          </p:cNvSpPr>
-          <p:nvPr>
-            <p:ph idx="1"/>
-          </p:nvPr>
-        </p:nvSpPr>
-        <p:spPr>
-          <a:xfrm>
-            <a:off x="457200" y="1124744"/>
-            <a:ext cx="8229600" cy="5001419"/>
-          </a:xfrm>
-        </p:spPr>
-        <p:txBody>
-          <a:bodyPr/>
-          <a:lstStyle/>
-          <a:p>
-            <a:pPr marL="0" indent="0">
-              <a:buNone/>
-            </a:pPr>
-            <a:r>
-              <a:rPr lang="ru-RU" dirty="0"/>
-              <a:t>Приложение состоит из нескольких логических </a:t>
-            </a:r>
-            <a:r>
-              <a:rPr lang="ru-RU" dirty="0" smtClean="0"/>
-              <a:t>частей</a:t>
-            </a:r>
-            <a:r>
-              <a:rPr lang="en-US" dirty="0" smtClean="0"/>
-              <a:t>:</a:t>
-            </a:r>
-            <a:endParaRPr lang="ru-RU" dirty="0"/>
-          </a:p>
-          <a:p>
-            <a:r>
-              <a:rPr lang="ru-RU" dirty="0"/>
-              <a:t>Фильтр времени</a:t>
-            </a:r>
-          </a:p>
-          <a:p>
-            <a:r>
-              <a:rPr lang="ru-RU" dirty="0"/>
-              <a:t>Фильтр событий</a:t>
-            </a:r>
-          </a:p>
-          <a:p>
-            <a:r>
-              <a:rPr lang="ru-RU" dirty="0"/>
-              <a:t>Список событий</a:t>
-            </a:r>
-          </a:p>
-          <a:p>
-            <a:r>
-              <a:rPr lang="ru-RU" dirty="0"/>
-              <a:t>График</a:t>
-            </a:r>
-          </a:p>
-          <a:p>
-            <a:endParaRPr lang="ru-RU" dirty="0"/>
-          </a:p>
-        </p:txBody>
-      </p:sp>
-    </p:spTree>
-    <p:extLst>
-      <p:ext uri="{BB962C8B-B14F-4D97-AF65-F5344CB8AC3E}">
-        <p14:creationId xmlns:p14="http://schemas.microsoft.com/office/powerpoint/2010/main" val="2181039616"/>
-      </p:ext>
-    </p:extLst>
-  </p:cSld>
-  <p:clrMapOvr>
-    <a:masterClrMapping/>
-  </p:clrMapOvr>
-  <p:timing>
-    <p:tnLst>
-      <p:par>
-        <p:cTn id="1" dur="indefinite" restart="never" nodeType="tmRoot"/>
-      </p:par>
-    </p:tnLst>
-  </p:timing>
-</p:sld>
-</file>
-
-<file path=ppt/slides/slide4.xml><?xml version="1.0" encoding="utf-8"?>
-<p:sld xmlns:a="http://schemas.openxmlformats.org/drawingml/2006/main" xmlns:r="http://schemas.openxmlformats.org/officeDocument/2006/relationships" xmlns:p="http://schemas.openxmlformats.org/presentationml/2006/main">
-  <p:cSld>
-    <p:spTree>
-      <p:nvGrpSpPr>
-        <p:cNvPr id="1" name=""/>
-        <p:cNvGrpSpPr/>
-        <p:nvPr/>
-      </p:nvGrpSpPr>
-      <p:grpSpPr>
-        <a:xfrm>
-          <a:off x="0" y="0"/>
-          <a:ext cx="0" cy="0"/>
-          <a:chOff x="0" y="0"/>
-          <a:chExt cx="0" cy="0"/>
-        </a:xfrm>
-      </p:grpSpPr>
       <p:pic>
         <p:nvPicPr>
           <p:cNvPr id="1026" name="Picture 2" descr="C:\Users\k5ii\Desktop\Безымянный.png"/>
@@ -3484,6 +3347,143 @@
 </p:sld>
 </file>
 
+<file path=ppt/slides/slide4.xml><?xml version="1.0" encoding="utf-8"?>
+<p:sld xmlns:a="http://schemas.openxmlformats.org/drawingml/2006/main" xmlns:r="http://schemas.openxmlformats.org/officeDocument/2006/relationships" xmlns:p="http://schemas.openxmlformats.org/presentationml/2006/main">
+  <p:cSld>
+    <p:spTree>
+      <p:nvGrpSpPr>
+        <p:cNvPr id="1" name=""/>
+        <p:cNvGrpSpPr/>
+        <p:nvPr/>
+      </p:nvGrpSpPr>
+      <p:grpSpPr>
+        <a:xfrm>
+          <a:off x="0" y="0"/>
+          <a:ext cx="0" cy="0"/>
+          <a:chOff x="0" y="0"/>
+          <a:chExt cx="0" cy="0"/>
+        </a:xfrm>
+      </p:grpSpPr>
+      <p:sp>
+        <p:nvSpPr>
+          <p:cNvPr id="2" name="Заголовок 1"/>
+          <p:cNvSpPr>
+            <a:spLocks noGrp="1"/>
+          </p:cNvSpPr>
+          <p:nvPr>
+            <p:ph type="title"/>
+          </p:nvPr>
+        </p:nvSpPr>
+        <p:spPr>
+          <a:xfrm>
+            <a:off x="457200" y="274638"/>
+            <a:ext cx="8229600" cy="634082"/>
+          </a:xfrm>
+        </p:spPr>
+        <p:txBody>
+          <a:bodyPr>
+            <a:normAutofit fontScale="90000"/>
+          </a:bodyPr>
+          <a:lstStyle/>
+          <a:p>
+            <a:r>
+              <a:rPr lang="ru-RU" b="1" dirty="0"/>
+              <a:t>Структура </a:t>
+            </a:r>
+            <a:r>
+              <a:rPr lang="ru-RU" b="1" dirty="0" smtClean="0"/>
+              <a:t>приложения</a:t>
+            </a:r>
+            <a:endParaRPr lang="ru-RU" dirty="0"/>
+          </a:p>
+        </p:txBody>
+      </p:sp>
+      <p:sp>
+        <p:nvSpPr>
+          <p:cNvPr id="3" name="Объект 2"/>
+          <p:cNvSpPr>
+            <a:spLocks noGrp="1"/>
+          </p:cNvSpPr>
+          <p:nvPr>
+            <p:ph idx="1"/>
+          </p:nvPr>
+        </p:nvSpPr>
+        <p:spPr>
+          <a:xfrm>
+            <a:off x="457200" y="1124744"/>
+            <a:ext cx="8229600" cy="5001419"/>
+          </a:xfrm>
+        </p:spPr>
+        <p:txBody>
+          <a:bodyPr/>
+          <a:lstStyle/>
+          <a:p>
+            <a:pPr marL="0" indent="0">
+              <a:buNone/>
+            </a:pPr>
+            <a:r>
+              <a:rPr lang="ru-RU" dirty="0"/>
+              <a:t>Приложение состоит из нескольких логических </a:t>
+            </a:r>
+            <a:r>
+              <a:rPr lang="ru-RU" dirty="0" smtClean="0"/>
+              <a:t>частей</a:t>
+            </a:r>
+            <a:r>
+              <a:rPr lang="en-US" dirty="0" smtClean="0"/>
+              <a:t>:</a:t>
+            </a:r>
+            <a:endParaRPr lang="ru-RU" dirty="0"/>
+          </a:p>
+          <a:p>
+            <a:r>
+              <a:rPr lang="ru-RU" dirty="0"/>
+              <a:t>Фильтр времени</a:t>
+            </a:r>
+          </a:p>
+          <a:p>
+            <a:r>
+              <a:rPr lang="ru-RU" dirty="0"/>
+              <a:t>Фильтр событий</a:t>
+            </a:r>
+          </a:p>
+          <a:p>
+            <a:r>
+              <a:rPr lang="ru-RU" dirty="0"/>
+              <a:t>Список событий</a:t>
+            </a:r>
+          </a:p>
+          <a:p>
+            <a:r>
+              <a:rPr lang="ru-RU" dirty="0"/>
+              <a:t>График</a:t>
+            </a:r>
+          </a:p>
+          <a:p>
+            <a:endParaRPr lang="ru-RU" dirty="0"/>
+          </a:p>
+        </p:txBody>
+      </p:sp>
+    </p:spTree>
+    <p:extLst>
+      <p:ext uri="{BB962C8B-B14F-4D97-AF65-F5344CB8AC3E}">
+        <p14:creationId xmlns:p14="http://schemas.microsoft.com/office/powerpoint/2010/main" val="2181039616"/>
+      </p:ext>
+    </p:extLst>
+  </p:cSld>
+  <p:clrMapOvr>
+    <a:masterClrMapping/>
+  </p:clrMapOvr>
+  <p:timing>
+    <p:tnLst>
+      <p:par>
+        <p:cTn id="1" dur="indefinite" restart="never" nodeType="tmRoot"/>
+      </p:par>
+    </p:tnLst>
+  </p:timing>
+</p:sld>
+</file>
+
 <file path=ppt/slides/slide5.xml><?xml version="1.0" encoding="utf-8"?>
 <p:sld xmlns:a="http://schemas.openxmlformats.org/drawingml/2006/main" xmlns:r="http://schemas.openxmlformats.org/officeDocument/2006/relationships" xmlns:p="http://schemas.openxmlformats.org/presentationml/2006/main">
   <p:cSld>
@@ -3678,11 +3678,7 @@
             </a:pPr>
             <a:r>
               <a:rPr lang="ru-RU" sz="2800" dirty="0" smtClean="0"/>
-              <a:t>Артур </a:t>
-            </a:r>
-            <a:r>
-              <a:rPr lang="ru-RU" sz="2800" dirty="0" smtClean="0"/>
-              <a:t>Азаров </a:t>
+              <a:t>Артур Азаров </a:t>
             </a:r>
             <a:r>
               <a:rPr lang="en-US" sz="2800" dirty="0" smtClean="0">
@@ -3744,13 +3740,7 @@
               <a:rPr lang="en-US" sz="2800" dirty="0" smtClean="0">
                 <a:hlinkClick r:id="rId5"/>
               </a:rPr>
-              <a:t>https://</a:t>
-            </a:r>
-            <a:r>
-              <a:rPr lang="en-US" sz="2800" dirty="0" smtClean="0">
-                <a:hlinkClick r:id="rId5"/>
-              </a:rPr>
-              <a:t>github.com/OSLL/mooc-lp-statistics</a:t>
+              <a:t>https://github.com/OSLL/mooc-lp-statistics</a:t>
             </a:r>
             <a:endParaRPr lang="ru-RU" sz="2800" dirty="0" smtClean="0"/>
           </a:p>

--- a/presentation/Сбор статистики курса.pptx
+++ b/presentation/Сбор статистики курса.pptx
@@ -3168,9 +3168,49 @@
           <a:chExt cx="0" cy="0"/>
         </a:xfrm>
       </p:grpSpPr>
+      <p:sp>
+        <p:nvSpPr>
+          <p:cNvPr id="2" name="TextBox 1"/>
+          <p:cNvSpPr txBox="1"/>
+          <p:nvPr/>
+        </p:nvSpPr>
+        <p:spPr>
+          <a:xfrm>
+            <a:off x="387894" y="583813"/>
+            <a:ext cx="8424936" cy="1323439"/>
+          </a:xfrm>
+          <a:prstGeom prst="rect">
+            <a:avLst/>
+          </a:prstGeom>
+          <a:noFill/>
+        </p:spPr>
+        <p:txBody>
+          <a:bodyPr wrap="square" rtlCol="0">
+            <a:spAutoFit/>
+          </a:bodyPr>
+          <a:lstStyle/>
+          <a:p>
+            <a:r>
+              <a:rPr lang="ru-RU" sz="4000" dirty="0"/>
+              <a:t>Сервис визуализации </a:t>
+            </a:r>
+            <a:r>
+              <a:rPr lang="en-US" sz="4000" dirty="0"/>
+              <a:t>log-</a:t>
+            </a:r>
+            <a:r>
+              <a:rPr lang="ru-RU" sz="4000" dirty="0"/>
+              <a:t>файла</a:t>
+            </a:r>
+          </a:p>
+          <a:p>
+            <a:endParaRPr lang="ru-RU" sz="4000" dirty="0"/>
+          </a:p>
+        </p:txBody>
+      </p:sp>
       <p:pic>
         <p:nvPicPr>
-          <p:cNvPr id="1027" name="Picture 3" descr="C:\Users\k5ii\OneDrive\Pictures\Снимки экрана\2016-12-22 (2).png"/>
+          <p:cNvPr id="1026" name="Picture 2" descr="C:\Users\k5ii\OneDrive\Pictures\Снимки экрана\2016-12-23.png"/>
           <p:cNvPicPr>
             <a:picLocks noChangeAspect="1" noChangeArrowheads="1"/>
           </p:cNvPicPr>
@@ -3191,8 +3231,8 @@
         </p:blipFill>
         <p:spPr bwMode="auto">
           <a:xfrm>
-            <a:off x="56725" y="2060848"/>
-            <a:ext cx="9087275" cy="4665092"/>
+            <a:off x="299067" y="1700808"/>
+            <a:ext cx="8569226" cy="4371562"/>
           </a:xfrm>
           <a:prstGeom prst="rect">
             <a:avLst/>
@@ -3209,46 +3249,6 @@
           </a:extLst>
         </p:spPr>
       </p:pic>
-      <p:sp>
-        <p:nvSpPr>
-          <p:cNvPr id="2" name="TextBox 1"/>
-          <p:cNvSpPr txBox="1"/>
-          <p:nvPr/>
-        </p:nvSpPr>
-        <p:spPr>
-          <a:xfrm>
-            <a:off x="387894" y="583813"/>
-            <a:ext cx="8424936" cy="1323439"/>
-          </a:xfrm>
-          <a:prstGeom prst="rect">
-            <a:avLst/>
-          </a:prstGeom>
-          <a:noFill/>
-        </p:spPr>
-        <p:txBody>
-          <a:bodyPr wrap="square" rtlCol="0">
-            <a:spAutoFit/>
-          </a:bodyPr>
-          <a:lstStyle/>
-          <a:p>
-            <a:r>
-              <a:rPr lang="ru-RU" sz="4000" dirty="0"/>
-              <a:t>Сервис визуализации </a:t>
-            </a:r>
-            <a:r>
-              <a:rPr lang="en-US" sz="4000" dirty="0"/>
-              <a:t>log-</a:t>
-            </a:r>
-            <a:r>
-              <a:rPr lang="ru-RU" sz="4000" dirty="0"/>
-              <a:t>файла</a:t>
-            </a:r>
-          </a:p>
-          <a:p>
-            <a:endParaRPr lang="ru-RU" sz="4000" dirty="0"/>
-          </a:p>
-        </p:txBody>
-      </p:sp>
     </p:spTree>
     <p:extLst>
       <p:ext uri="{BB962C8B-B14F-4D97-AF65-F5344CB8AC3E}">
